--- a/Customer Behavior Analysis and Churn Prediction.pptx
+++ b/Customer Behavior Analysis and Churn Prediction.pptx
@@ -1387,9 +1387,9 @@
     <dgm:cxn modelId="{3078282A-6E4C-4964-B186-5D25B17E1D78}" type="presOf" srcId="{5DF53E98-C623-46CF-80B7-CE8C2D1043F9}" destId="{BBEE59E9-3B74-4DAC-BF53-FF3FDCF3E81B}" srcOrd="0" destOrd="0" presId="urn:microsoft.com/office/officeart/2005/8/layout/process4"/>
     <dgm:cxn modelId="{276DC137-4694-4E39-983B-C2AE2233DBE0}" srcId="{438ACC29-975D-4FF9-9ADB-50E8CEFDA384}" destId="{15E8A89F-7F83-413C-AA7D-9CB9776D4DC2}" srcOrd="4" destOrd="0" parTransId="{EE0F6A8E-0E5B-4EF5-AD76-897BEFFCD913}" sibTransId="{66D02AC6-D417-47D5-9E64-E7B65489BDCB}"/>
     <dgm:cxn modelId="{42BC103D-5D18-4C3A-BD4F-3720C71DADD2}" srcId="{E0EDB4FB-9D76-4128-8AF9-8C1A7A4895EA}" destId="{438ACC29-975D-4FF9-9ADB-50E8CEFDA384}" srcOrd="2" destOrd="0" parTransId="{CA056A03-F445-4FE8-A897-CC08807693A6}" sibTransId="{9A35DF20-2932-4574-8260-35777FA2D3B5}"/>
+    <dgm:cxn modelId="{37759E46-B815-4DDC-95D1-1AB4BB8E92EE}" srcId="{438ACC29-975D-4FF9-9ADB-50E8CEFDA384}" destId="{4242A6F9-D0F7-45A2-9C44-6CBA76DFB604}" srcOrd="2" destOrd="0" parTransId="{98757019-E27D-4A90-B35B-1FD6073720B0}" sibTransId="{7827C055-14DA-4041-8DB3-914752831144}"/>
     <dgm:cxn modelId="{9412D35E-CFA8-4210-A216-FD398C768C7D}" type="presOf" srcId="{9AF70E80-107F-4DD1-B7DA-736AEBBDF2B9}" destId="{F61C8F32-DCFE-441D-9CBC-0B43887268D3}" srcOrd="0" destOrd="0" presId="urn:microsoft.com/office/officeart/2005/8/layout/process4"/>
     <dgm:cxn modelId="{2ADEA063-9008-45C3-A482-999EABE8B91A}" type="presOf" srcId="{438ACC29-975D-4FF9-9ADB-50E8CEFDA384}" destId="{01A89D11-C671-4497-9B33-73E09624F63D}" srcOrd="0" destOrd="0" presId="urn:microsoft.com/office/officeart/2005/8/layout/process4"/>
-    <dgm:cxn modelId="{37759E46-B815-4DDC-95D1-1AB4BB8E92EE}" srcId="{438ACC29-975D-4FF9-9ADB-50E8CEFDA384}" destId="{4242A6F9-D0F7-45A2-9C44-6CBA76DFB604}" srcOrd="2" destOrd="0" parTransId="{98757019-E27D-4A90-B35B-1FD6073720B0}" sibTransId="{7827C055-14DA-4041-8DB3-914752831144}"/>
     <dgm:cxn modelId="{1CAEB880-C676-44A3-9DE3-3237891464B4}" srcId="{E0EDB4FB-9D76-4128-8AF9-8C1A7A4895EA}" destId="{9AF70E80-107F-4DD1-B7DA-736AEBBDF2B9}" srcOrd="0" destOrd="0" parTransId="{DFA68E52-BC6D-434E-9D30-E3B8294DE64D}" sibTransId="{63207EAE-307A-4EC1-AD33-70A8E6EE9A93}"/>
     <dgm:cxn modelId="{E0E9B081-AA79-469C-84E6-53C332CDB7FC}" type="presOf" srcId="{E0EDB4FB-9D76-4128-8AF9-8C1A7A4895EA}" destId="{B224307F-7BD3-4B91-B37E-C3DB513E0DB4}" srcOrd="0" destOrd="0" presId="urn:microsoft.com/office/officeart/2005/8/layout/process4"/>
     <dgm:cxn modelId="{23980A9F-7F64-48DE-BEC6-75511E64D45C}" srcId="{438ACC29-975D-4FF9-9ADB-50E8CEFDA384}" destId="{C57D47F9-BFAB-480C-916E-A338A6A4B3FA}" srcOrd="0" destOrd="0" parTransId="{F5FE71F9-C8A0-4833-A70F-94D30D8DA5C3}" sibTransId="{EA548450-A079-455F-9D8D-897D0AF458DE}"/>
@@ -2033,7 +2033,7 @@
         </a:prstGeom>
         <a:solidFill>
           <a:schemeClr val="accent2">
-            <a:hueOff val="17677"/>
+            <a:hueOff val="17676"/>
             <a:satOff val="-17244"/>
             <a:lumOff val="-883"/>
             <a:alphaOff val="0"/>
@@ -2116,7 +2116,7 @@
         </a:prstGeom>
         <a:solidFill>
           <a:schemeClr val="accent2">
-            <a:hueOff val="35353"/>
+            <a:hueOff val="35352"/>
             <a:satOff val="-34487"/>
             <a:lumOff val="-1766"/>
             <a:alphaOff val="0"/>
@@ -3815,7 +3815,7 @@
           <a:p>
             <a:fld id="{9184DA70-C731-4C70-880D-CCD4705E623C}" type="datetime1">
               <a:rPr lang="en-US" smtClean="0"/>
-              <a:t>4/19/2022</a:t>
+              <a:t>3/25/25</a:t>
             </a:fld>
             <a:endParaRPr lang="en-US" dirty="0"/>
           </a:p>
@@ -4003,7 +4003,7 @@
           <a:p>
             <a:fld id="{4BE1D723-8F53-4F53-90B0-1982A396982E}" type="datetime1">
               <a:rPr lang="en-US" smtClean="0"/>
-              <a:t>4/19/2022</a:t>
+              <a:t>3/25/25</a:t>
             </a:fld>
             <a:endParaRPr lang="en-US" dirty="0"/>
           </a:p>
@@ -4376,7 +4376,7 @@
           <a:p>
             <a:fld id="{97669AF7-7BEB-44E4-9852-375E34362B5B}" type="datetime1">
               <a:rPr lang="en-US" smtClean="0"/>
-              <a:t>4/19/2022</a:t>
+              <a:t>3/25/25</a:t>
             </a:fld>
             <a:endParaRPr lang="en-US" dirty="0"/>
           </a:p>
@@ -4631,7 +4631,7 @@
           <a:p>
             <a:fld id="{BAAAC38D-0552-4C82-B593-E6124DFADBE2}" type="datetime1">
               <a:rPr lang="en-US" smtClean="0"/>
-              <a:t>4/19/2022</a:t>
+              <a:t>3/25/25</a:t>
             </a:fld>
             <a:endParaRPr lang="en-US" dirty="0"/>
           </a:p>
@@ -5028,7 +5028,7 @@
           <a:p>
             <a:fld id="{D9DF0F1C-5577-4ACB-BB62-DF8F3C494C7E}" type="datetime1">
               <a:rPr lang="en-US" smtClean="0"/>
-              <a:t>4/19/2022</a:t>
+              <a:t>3/25/25</a:t>
             </a:fld>
             <a:endParaRPr lang="en-US" dirty="0"/>
           </a:p>
@@ -5164,7 +5164,7 @@
           <a:p>
             <a:fld id="{1775B394-D9F9-4F0C-B15D-605F45CB9E9F}" type="datetime1">
               <a:rPr lang="en-US" smtClean="0"/>
-              <a:t>4/19/2022</a:t>
+              <a:t>3/25/25</a:t>
             </a:fld>
             <a:endParaRPr lang="en-US" dirty="0"/>
           </a:p>
@@ -5321,7 +5321,7 @@
           <a:p>
             <a:fld id="{39667345-2558-425A-8533-9BFDBCE15005}" type="datetime1">
               <a:rPr lang="en-US" smtClean="0"/>
-              <a:t>4/19/2022</a:t>
+              <a:t>3/25/25</a:t>
             </a:fld>
             <a:endParaRPr lang="en-US" dirty="0"/>
           </a:p>
@@ -5650,7 +5650,7 @@
           <a:p>
             <a:fld id="{92BEA474-078D-4E9B-9B14-09A87B19DC46}" type="datetime1">
               <a:rPr lang="en-US" smtClean="0"/>
-              <a:t>4/19/2022</a:t>
+              <a:t>3/25/25</a:t>
             </a:fld>
             <a:endParaRPr lang="en-US" dirty="0"/>
           </a:p>
@@ -6000,7 +6000,7 @@
           <a:p>
             <a:fld id="{4907D986-8816-4272-A432-0437A28A9828}" type="datetime1">
               <a:rPr lang="en-US" smtClean="0"/>
-              <a:t>4/19/2022</a:t>
+              <a:t>3/25/25</a:t>
             </a:fld>
             <a:endParaRPr lang="en-US" dirty="0"/>
           </a:p>
@@ -6261,7 +6261,7 @@
           <a:p>
             <a:fld id="{62D6E202-B606-4609-B914-27C9371A1F6D}" type="datetime1">
               <a:rPr lang="en-US" smtClean="0"/>
-              <a:t>4/19/2022</a:t>
+              <a:t>3/25/25</a:t>
             </a:fld>
             <a:endParaRPr lang="en-US" dirty="0"/>
           </a:p>
@@ -6844,6 +6844,13 @@
             <a:schemeClr val="lt1"/>
           </a:fontRef>
         </p:style>
+        <p:txBody>
+          <a:bodyPr/>
+          <a:lstStyle/>
+          <a:p>
+            <a:endParaRPr lang="en-US"/>
+          </a:p>
+        </p:txBody>
       </p:sp>
       <p:cxnSp>
         <p:nvCxnSpPr>
@@ -6978,7 +6985,7 @@
         </p:nvSpPr>
         <p:spPr>
           <a:xfrm>
-            <a:off x="836280" y="482602"/>
+            <a:off x="732856" y="1833616"/>
             <a:ext cx="3543750" cy="1995911"/>
           </a:xfrm>
         </p:spPr>
@@ -7128,63 +7135,6 @@
           </a:bodyPr>
           <a:lstStyle/>
           <a:p>
-            <a:pPr algn="ctr">
-              <a:lnSpc>
-                <a:spcPct val="100000"/>
-              </a:lnSpc>
-            </a:pPr>
-            <a:r>
-              <a:rPr lang="en-US" sz="1800" dirty="0">
-                <a:solidFill>
-                  <a:schemeClr val="tx1">
-                    <a:lumMod val="75000"/>
-                    <a:lumOff val="25000"/>
-                  </a:schemeClr>
-                </a:solidFill>
-                <a:latin typeface="+mj-lt"/>
-              </a:rPr>
-              <a:t>COURSE TITLE</a:t>
-            </a:r>
-          </a:p>
-          <a:p>
-            <a:pPr algn="ctr">
-              <a:lnSpc>
-                <a:spcPct val="100000"/>
-              </a:lnSpc>
-            </a:pPr>
-            <a:r>
-              <a:rPr lang="en-US" sz="1800" dirty="0">
-                <a:solidFill>
-                  <a:schemeClr val="tx1">
-                    <a:lumMod val="75000"/>
-                    <a:lumOff val="25000"/>
-                  </a:schemeClr>
-                </a:solidFill>
-                <a:latin typeface="+mj-lt"/>
-              </a:rPr>
-              <a:t>BUAN 6356.002</a:t>
-            </a:r>
-          </a:p>
-          <a:p>
-            <a:pPr algn="ctr">
-              <a:lnSpc>
-                <a:spcPct val="100000"/>
-              </a:lnSpc>
-            </a:pPr>
-            <a:r>
-              <a:rPr lang="en-US" sz="1800" dirty="0">
-                <a:solidFill>
-                  <a:schemeClr val="tx1">
-                    <a:lumMod val="75000"/>
-                    <a:lumOff val="25000"/>
-                  </a:schemeClr>
-                </a:solidFill>
-                <a:latin typeface="+mj-lt"/>
-              </a:rPr>
-              <a:t>Group 4</a:t>
-            </a:r>
-          </a:p>
-          <a:p>
             <a:pPr>
               <a:lnSpc>
                 <a:spcPct val="100000"/>
@@ -7338,6 +7288,13 @@
             <a:schemeClr val="lt1"/>
           </a:fontRef>
         </p:style>
+        <p:txBody>
+          <a:bodyPr/>
+          <a:lstStyle/>
+          <a:p>
+            <a:endParaRPr lang="en-US"/>
+          </a:p>
+        </p:txBody>
       </p:sp>
     </p:spTree>
     <p:extLst>
@@ -8198,6 +8155,13 @@
             <a:schemeClr val="lt1"/>
           </a:fontRef>
         </p:style>
+        <p:txBody>
+          <a:bodyPr/>
+          <a:lstStyle/>
+          <a:p>
+            <a:endParaRPr lang="en-US"/>
+          </a:p>
+        </p:txBody>
       </p:sp>
       <p:cxnSp>
         <p:nvCxnSpPr>
@@ -8368,6 +8332,13 @@
             <a:schemeClr val="lt1"/>
           </a:fontRef>
         </p:style>
+        <p:txBody>
+          <a:bodyPr/>
+          <a:lstStyle/>
+          <a:p>
+            <a:endParaRPr lang="en-US"/>
+          </a:p>
+        </p:txBody>
       </p:sp>
       <p:sp>
         <p:nvSpPr>
@@ -8807,6 +8778,13 @@
             <a:schemeClr val="lt1"/>
           </a:fontRef>
         </p:style>
+        <p:txBody>
+          <a:bodyPr/>
+          <a:lstStyle/>
+          <a:p>
+            <a:endParaRPr lang="en-US"/>
+          </a:p>
+        </p:txBody>
       </p:sp>
     </p:spTree>
     <p:extLst>
@@ -8900,6 +8878,13 @@
             <a:schemeClr val="lt1"/>
           </a:fontRef>
         </p:style>
+        <p:txBody>
+          <a:bodyPr/>
+          <a:lstStyle/>
+          <a:p>
+            <a:endParaRPr lang="en-US"/>
+          </a:p>
+        </p:txBody>
       </p:sp>
       <p:cxnSp>
         <p:nvCxnSpPr>
@@ -9325,6 +9310,13 @@
             <a:schemeClr val="lt1"/>
           </a:fontRef>
         </p:style>
+        <p:txBody>
+          <a:bodyPr/>
+          <a:lstStyle/>
+          <a:p>
+            <a:endParaRPr lang="en-US"/>
+          </a:p>
+        </p:txBody>
       </p:sp>
     </p:spTree>
     <p:extLst>
@@ -9484,6 +9476,13 @@
             <a:schemeClr val="lt1"/>
           </a:fontRef>
         </p:style>
+        <p:txBody>
+          <a:bodyPr/>
+          <a:lstStyle/>
+          <a:p>
+            <a:endParaRPr lang="en-US"/>
+          </a:p>
+        </p:txBody>
       </p:sp>
       <p:cxnSp>
         <p:nvCxnSpPr>
@@ -9654,6 +9653,13 @@
             <a:schemeClr val="lt1"/>
           </a:fontRef>
         </p:style>
+        <p:txBody>
+          <a:bodyPr/>
+          <a:lstStyle/>
+          <a:p>
+            <a:endParaRPr lang="en-US"/>
+          </a:p>
+        </p:txBody>
       </p:sp>
       <p:sp>
         <p:nvSpPr>
@@ -9880,6 +9886,13 @@
             <a:schemeClr val="lt1"/>
           </a:fontRef>
         </p:style>
+        <p:txBody>
+          <a:bodyPr/>
+          <a:lstStyle/>
+          <a:p>
+            <a:endParaRPr lang="en-US"/>
+          </a:p>
+        </p:txBody>
       </p:sp>
       <p:sp>
         <p:nvSpPr>
@@ -10005,6 +10018,13 @@
             <a:schemeClr val="lt1"/>
           </a:fontRef>
         </p:style>
+        <p:txBody>
+          <a:bodyPr/>
+          <a:lstStyle/>
+          <a:p>
+            <a:endParaRPr lang="en-US"/>
+          </a:p>
+        </p:txBody>
       </p:sp>
       <p:cxnSp>
         <p:nvCxnSpPr>
@@ -10175,6 +10195,13 @@
             <a:schemeClr val="lt1"/>
           </a:fontRef>
         </p:style>
+        <p:txBody>
+          <a:bodyPr/>
+          <a:lstStyle/>
+          <a:p>
+            <a:endParaRPr lang="en-US"/>
+          </a:p>
+        </p:txBody>
       </p:sp>
       <p:sp>
         <p:nvSpPr>
@@ -10635,6 +10662,13 @@
             <a:schemeClr val="lt1"/>
           </a:fontRef>
         </p:style>
+        <p:txBody>
+          <a:bodyPr/>
+          <a:lstStyle/>
+          <a:p>
+            <a:endParaRPr lang="en-US"/>
+          </a:p>
+        </p:txBody>
       </p:sp>
     </p:spTree>
     <p:extLst>
@@ -11362,6 +11396,13 @@
             <a:schemeClr val="lt1"/>
           </a:fontRef>
         </p:style>
+        <p:txBody>
+          <a:bodyPr/>
+          <a:lstStyle/>
+          <a:p>
+            <a:endParaRPr lang="en-US"/>
+          </a:p>
+        </p:txBody>
       </p:sp>
       <p:cxnSp>
         <p:nvCxnSpPr>
@@ -11532,6 +11573,13 @@
             <a:schemeClr val="lt1"/>
           </a:fontRef>
         </p:style>
+        <p:txBody>
+          <a:bodyPr/>
+          <a:lstStyle/>
+          <a:p>
+            <a:endParaRPr lang="en-US"/>
+          </a:p>
+        </p:txBody>
       </p:sp>
       <p:sp>
         <p:nvSpPr>
@@ -11895,6 +11943,13 @@
             <a:schemeClr val="lt1"/>
           </a:fontRef>
         </p:style>
+        <p:txBody>
+          <a:bodyPr/>
+          <a:lstStyle/>
+          <a:p>
+            <a:endParaRPr lang="en-US"/>
+          </a:p>
+        </p:txBody>
       </p:sp>
     </p:spTree>
     <p:extLst>
@@ -12543,6 +12598,24 @@
 </file>
 
 <file path=customXml/item1.xml><?xml version="1.0" encoding="utf-8"?>
+<?mso-contentType ?>
+<FormTemplates xmlns="http://schemas.microsoft.com/sharepoint/v3/contenttype/forms">
+  <Display>DocumentLibraryForm</Display>
+  <Edit>DocumentLibraryForm</Edit>
+  <New>DocumentLibraryForm</New>
+</FormTemplates>
+</file>
+
+<file path=customXml/item2.xml><?xml version="1.0" encoding="utf-8"?>
+<p:properties xmlns:p="http://schemas.microsoft.com/office/2006/metadata/properties" xmlns:xsi="http://www.w3.org/2001/XMLSchema-instance" xmlns:pc="http://schemas.microsoft.com/office/infopath/2007/PartnerControls">
+  <documentManagement>
+    <Status xmlns="71af3243-3dd4-4a8d-8c0d-dd76da1f02a5">Not started</Status>
+    <MediaServiceKeyPoints xmlns="71af3243-3dd4-4a8d-8c0d-dd76da1f02a5" xsi:nil="true"/>
+  </documentManagement>
+</p:properties>
+</file>
+
+<file path=customXml/item3.xml><?xml version="1.0" encoding="utf-8"?>
 <ct:contentTypeSchema xmlns:ct="http://schemas.microsoft.com/office/2006/metadata/contentType" xmlns:ma="http://schemas.microsoft.com/office/2006/metadata/properties/metaAttributes" ct:_="" ma:_="" ma:contentTypeName="Document" ma:contentTypeID="0x01010079F111ED35F8CC479449609E8A0923A6" ma:contentTypeVersion="12" ma:contentTypeDescription="Create a new document." ma:contentTypeScope="" ma:versionID="a410dd7f93c95333ffa1b60ed6adedd1">
   <xsd:schema xmlns:xsd="http://www.w3.org/2001/XMLSchema" xmlns:xs="http://www.w3.org/2001/XMLSchema" xmlns:p="http://schemas.microsoft.com/office/2006/metadata/properties" xmlns:ns2="71af3243-3dd4-4a8d-8c0d-dd76da1f02a5" xmlns:ns3="16c05727-aa75-4e4a-9b5f-8a80a1165891" targetNamespace="http://schemas.microsoft.com/office/2006/metadata/properties" ma:root="true" ma:fieldsID="a936d9baba76aa3866493feff160faab" ns2:_="" ns3:_="">
     <xsd:import namespace="71af3243-3dd4-4a8d-8c0d-dd76da1f02a5"/>
@@ -12763,25 +12836,25 @@
 </ct:contentTypeSchema>
 </file>
 
-<file path=customXml/item2.xml><?xml version="1.0" encoding="utf-8"?>
-<p:properties xmlns:p="http://schemas.microsoft.com/office/2006/metadata/properties" xmlns:xsi="http://www.w3.org/2001/XMLSchema-instance" xmlns:pc="http://schemas.microsoft.com/office/infopath/2007/PartnerControls">
-  <documentManagement>
-    <Status xmlns="71af3243-3dd4-4a8d-8c0d-dd76da1f02a5">Not started</Status>
-    <MediaServiceKeyPoints xmlns="71af3243-3dd4-4a8d-8c0d-dd76da1f02a5" xsi:nil="true"/>
-  </documentManagement>
-</p:properties>
+<file path=customXml/itemProps1.xml><?xml version="1.0" encoding="utf-8"?>
+<ds:datastoreItem xmlns:ds="http://schemas.openxmlformats.org/officeDocument/2006/customXml" ds:itemID="{AA3F7EDC-E5B4-4BBC-9D2A-CBE6D46C37AD}">
+  <ds:schemaRefs>
+    <ds:schemaRef ds:uri="http://schemas.microsoft.com/sharepoint/v3/contenttype/forms"/>
+  </ds:schemaRefs>
+</ds:datastoreItem>
 </file>
 
-<file path=customXml/item3.xml><?xml version="1.0" encoding="utf-8"?>
-<?mso-contentType ?>
-<FormTemplates xmlns="http://schemas.microsoft.com/sharepoint/v3/contenttype/forms">
-  <Display>DocumentLibraryForm</Display>
-  <Edit>DocumentLibraryForm</Edit>
-  <New>DocumentLibraryForm</New>
-</FormTemplates>
+<file path=customXml/itemProps2.xml><?xml version="1.0" encoding="utf-8"?>
+<ds:datastoreItem xmlns:ds="http://schemas.openxmlformats.org/officeDocument/2006/customXml" ds:itemID="{A03EEFF0-FB57-4CB4-8BFC-DF397689E2ED}">
+  <ds:schemaRefs>
+    <ds:schemaRef ds:uri="http://schemas.microsoft.com/office/2006/metadata/properties"/>
+    <ds:schemaRef ds:uri="http://schemas.microsoft.com/office/infopath/2007/PartnerControls"/>
+    <ds:schemaRef ds:uri="71af3243-3dd4-4a8d-8c0d-dd76da1f02a5"/>
+  </ds:schemaRefs>
+</ds:datastoreItem>
 </file>
 
-<file path=customXml/itemProps1.xml><?xml version="1.0" encoding="utf-8"?>
+<file path=customXml/itemProps3.xml><?xml version="1.0" encoding="utf-8"?>
 <ds:datastoreItem xmlns:ds="http://schemas.openxmlformats.org/officeDocument/2006/customXml" ds:itemID="{93932EF5-314F-409E-8020-FEE5FA0795B9}">
   <ds:schemaRefs>
     <ds:schemaRef ds:uri="http://schemas.microsoft.com/office/2006/metadata/contentType"/>
@@ -12798,22 +12871,4 @@
     <ds:schemaRef ds:uri="http://schemas.microsoft.com/internal/obd"/>
   </ds:schemaRefs>
 </ds:datastoreItem>
-</file>
-
-<file path=customXml/itemProps2.xml><?xml version="1.0" encoding="utf-8"?>
-<ds:datastoreItem xmlns:ds="http://schemas.openxmlformats.org/officeDocument/2006/customXml" ds:itemID="{A03EEFF0-FB57-4CB4-8BFC-DF397689E2ED}">
-  <ds:schemaRefs>
-    <ds:schemaRef ds:uri="http://schemas.microsoft.com/office/2006/metadata/properties"/>
-    <ds:schemaRef ds:uri="http://schemas.microsoft.com/office/infopath/2007/PartnerControls"/>
-    <ds:schemaRef ds:uri="71af3243-3dd4-4a8d-8c0d-dd76da1f02a5"/>
-  </ds:schemaRefs>
-</ds:datastoreItem>
-</file>
-
-<file path=customXml/itemProps3.xml><?xml version="1.0" encoding="utf-8"?>
-<ds:datastoreItem xmlns:ds="http://schemas.openxmlformats.org/officeDocument/2006/customXml" ds:itemID="{AA3F7EDC-E5B4-4BBC-9D2A-CBE6D46C37AD}">
-  <ds:schemaRefs>
-    <ds:schemaRef ds:uri="http://schemas.microsoft.com/sharepoint/v3/contenttype/forms"/>
-  </ds:schemaRefs>
-</ds:datastoreItem>
 </file>